--- a/CyberCypher.pptx
+++ b/CyberCypher.pptx
@@ -5,10 +5,10 @@
     <p:sldMasterId id="2147483648" r:id="rId4"/>
   </p:sldMasterIdLst>
   <p:notesMasterIdLst>
-    <p:notesMasterId r:id="rId12"/>
+    <p:notesMasterId r:id="rId11"/>
   </p:notesMasterIdLst>
   <p:handoutMasterIdLst>
-    <p:handoutMasterId r:id="rId13"/>
+    <p:handoutMasterId r:id="rId12"/>
   </p:handoutMasterIdLst>
   <p:sldIdLst>
     <p:sldId id="277" r:id="rId5"/>
@@ -16,8 +16,7 @@
     <p:sldId id="259" r:id="rId7"/>
     <p:sldId id="261" r:id="rId8"/>
     <p:sldId id="264" r:id="rId9"/>
-    <p:sldId id="274" r:id="rId10"/>
-    <p:sldId id="275" r:id="rId11"/>
+    <p:sldId id="275" r:id="rId10"/>
   </p:sldIdLst>
   <p:sldSz cx="12192000" cy="6858000"/>
   <p:notesSz cx="6858000" cy="9144000"/>
@@ -19746,7 +19745,7 @@
         </p:nvSpPr>
         <p:spPr>
           <a:xfrm>
-            <a:off x="740800" y="3237325"/>
+            <a:off x="740800" y="3237324"/>
             <a:ext cx="2351446" cy="491509"/>
           </a:xfrm>
         </p:spPr>
@@ -19783,7 +19782,7 @@
         </p:nvSpPr>
         <p:spPr>
           <a:xfrm>
-            <a:off x="740800" y="4036042"/>
+            <a:off x="740800" y="3956978"/>
             <a:ext cx="2351446" cy="1782868"/>
           </a:xfrm>
         </p:spPr>
@@ -20015,7 +20014,7 @@
         </p:nvSpPr>
         <p:spPr>
           <a:xfrm>
-            <a:off x="4920277" y="4036042"/>
+            <a:off x="4920277" y="3804578"/>
             <a:ext cx="2351446" cy="1782868"/>
           </a:xfrm>
           <a:prstGeom prst="rect">
@@ -20213,7 +20212,7 @@
         </p:nvSpPr>
         <p:spPr>
           <a:xfrm>
-            <a:off x="9099754" y="3237325"/>
+            <a:off x="9099754" y="3237323"/>
             <a:ext cx="2351446" cy="491509"/>
           </a:xfrm>
           <a:prstGeom prst="rect">
@@ -20413,8 +20412,8 @@
         </p:nvSpPr>
         <p:spPr>
           <a:xfrm>
-            <a:off x="9099754" y="4036042"/>
-            <a:ext cx="2351446" cy="1782868"/>
+            <a:off x="9099754" y="3804579"/>
+            <a:ext cx="2351446" cy="1935268"/>
           </a:xfrm>
           <a:prstGeom prst="rect">
             <a:avLst/>
@@ -20627,10 +20626,10 @@
       </p:grpSpPr>
       <p:sp>
         <p:nvSpPr>
-          <p:cNvPr id="14" name="Title 13">
-            <a:extLst>
-              <a:ext uri="{FF2B5EF4-FFF2-40B4-BE49-F238E27FC236}">
-                <a16:creationId xmlns:a16="http://schemas.microsoft.com/office/drawing/2014/main" id="{4CD4EC34-A56A-4AFF-967C-7826E8491850}"/>
+          <p:cNvPr id="24" name="Title 23">
+            <a:extLst>
+              <a:ext uri="{FF2B5EF4-FFF2-40B4-BE49-F238E27FC236}">
+                <a16:creationId xmlns:a16="http://schemas.microsoft.com/office/drawing/2014/main" id="{8B0A0B61-E44C-4C98-A84B-B96C81DA5816}"/>
               </a:ext>
             </a:extLst>
           </p:cNvPr>
@@ -20643,8 +20642,8 @@
         </p:nvSpPr>
         <p:spPr>
           <a:xfrm>
-            <a:off x="1186544" y="-1"/>
-            <a:ext cx="3944790" cy="1845127"/>
+            <a:off x="1486566" y="3035081"/>
+            <a:ext cx="2341256" cy="640698"/>
           </a:xfrm>
         </p:spPr>
         <p:txBody>
@@ -20653,18 +20652,112 @@
           <a:p>
             <a:r>
               <a:rPr lang="en-US" noProof="0" dirty="0"/>
-              <a:t>summary</a:t>
+              <a:t>Thank you</a:t>
             </a:r>
             <a:endParaRPr lang="en-US" dirty="0"/>
+          </a:p>
+        </p:txBody>
+      </p:sp>
+      <p:sp>
+        <p:nvSpPr>
+          <p:cNvPr id="9" name="Text Placeholder 8">
+            <a:extLst>
+              <a:ext uri="{FF2B5EF4-FFF2-40B4-BE49-F238E27FC236}">
+                <a16:creationId xmlns:a16="http://schemas.microsoft.com/office/drawing/2014/main" id="{0BF8A3EA-3C0A-457C-ACBD-FA9FBF4DCB9F}"/>
+              </a:ext>
+            </a:extLst>
+          </p:cNvPr>
+          <p:cNvSpPr>
+            <a:spLocks noGrp="1"/>
+          </p:cNvSpPr>
+          <p:nvPr>
+            <p:ph type="body" sz="quarter" idx="14"/>
+          </p:nvPr>
+        </p:nvSpPr>
+        <p:spPr>
+          <a:xfrm>
+            <a:off x="1704805" y="3959761"/>
+            <a:ext cx="2879477" cy="1790164"/>
+          </a:xfrm>
+        </p:spPr>
+        <p:txBody>
+          <a:bodyPr/>
+          <a:lstStyle/>
+          <a:p>
+            <a:r>
+              <a:rPr lang="pt-BR" dirty="0"/>
+              <a:t>Mirjam Nilsson​​</a:t>
+            </a:r>
+          </a:p>
+          <a:p>
+            <a:endParaRPr lang="pt-BR" dirty="0"/>
+          </a:p>
+          <a:p>
+            <a:r>
+              <a:rPr lang="pt-BR" dirty="0"/>
+              <a:t>206-555-0146​</a:t>
+            </a:r>
+          </a:p>
+          <a:p>
+            <a:endParaRPr lang="pt-BR" dirty="0"/>
+          </a:p>
+          <a:p>
+            <a:r>
+              <a:rPr lang="pt-BR" dirty="0"/>
+              <a:t>mirjam@contoso.com​</a:t>
+            </a:r>
+          </a:p>
+          <a:p>
+            <a:endParaRPr lang="pt-BR" dirty="0"/>
+          </a:p>
+          <a:p>
+            <a:r>
+              <a:rPr lang="pt-BR" dirty="0"/>
+              <a:t>www.contoso.com​</a:t>
+            </a:r>
+            <a:endParaRPr lang="en-US" dirty="0"/>
+          </a:p>
+        </p:txBody>
+      </p:sp>
+      <p:sp>
+        <p:nvSpPr>
+          <p:cNvPr id="2" name="Date Placeholder 1">
+            <a:extLst>
+              <a:ext uri="{FF2B5EF4-FFF2-40B4-BE49-F238E27FC236}">
+                <a16:creationId xmlns:a16="http://schemas.microsoft.com/office/drawing/2014/main" id="{2790CE37-04F9-4227-B00E-A878A9056DA7}"/>
+              </a:ext>
+            </a:extLst>
+          </p:cNvPr>
+          <p:cNvSpPr>
+            <a:spLocks noGrp="1"/>
+          </p:cNvSpPr>
+          <p:nvPr>
+            <p:ph type="dt" sz="half" idx="10"/>
+          </p:nvPr>
+        </p:nvSpPr>
+        <p:spPr>
+          <a:xfrm>
+            <a:off x="838200" y="6356350"/>
+            <a:ext cx="2743200" cy="365125"/>
+          </a:xfrm>
+        </p:spPr>
+        <p:txBody>
+          <a:bodyPr/>
+          <a:lstStyle/>
+          <a:p>
+            <a:r>
+              <a:rPr lang="en-US" dirty="0"/>
+              <a:t>20XX</a:t>
+            </a:r>
           </a:p>
         </p:txBody>
       </p:sp>
       <p:pic>
         <p:nvPicPr>
-          <p:cNvPr id="12" name="Picture Placeholder 11" descr="A high angle view of a plantation">
-            <a:extLst>
-              <a:ext uri="{FF2B5EF4-FFF2-40B4-BE49-F238E27FC236}">
-                <a16:creationId xmlns:a16="http://schemas.microsoft.com/office/drawing/2014/main" id="{86DB35FE-DA40-47CA-AC01-10AFBE90D479}"/>
+          <p:cNvPr id="18" name="Picture Placeholder 15" descr="A picture of a field of grass sprouting">
+            <a:extLst>
+              <a:ext uri="{FF2B5EF4-FFF2-40B4-BE49-F238E27FC236}">
+                <a16:creationId xmlns:a16="http://schemas.microsoft.com/office/drawing/2014/main" id="{594B2289-B469-43CF-B394-071C6B0A4DD5}"/>
               </a:ext>
             </a:extLst>
           </p:cNvPr>
@@ -20672,7 +20765,7 @@
             <a:picLocks noGrp="1" noChangeAspect="1"/>
           </p:cNvPicPr>
           <p:nvPr>
-            <p:ph type="pic" sz="quarter" idx="13"/>
+            <p:ph type="pic" sz="quarter" idx="15"/>
           </p:nvPr>
         </p:nvPicPr>
         <p:blipFill rotWithShape="1">
@@ -20688,30 +20781,30 @@
         </p:blipFill>
         <p:spPr>
           <a:xfrm>
-            <a:off x="0" y="1845128"/>
-            <a:ext cx="12192000" cy="5012871"/>
+            <a:off x="5511344" y="0"/>
+            <a:ext cx="6680656" cy="6858000"/>
           </a:xfrm>
         </p:spPr>
       </p:pic>
       <p:sp>
         <p:nvSpPr>
-          <p:cNvPr id="2" name="Date Placeholder 1">
-            <a:extLst>
-              <a:ext uri="{FF2B5EF4-FFF2-40B4-BE49-F238E27FC236}">
-                <a16:creationId xmlns:a16="http://schemas.microsoft.com/office/drawing/2014/main" id="{72D2BFB9-EF4C-43BD-82AF-44BB97E87417}"/>
-              </a:ext>
-            </a:extLst>
-          </p:cNvPr>
-          <p:cNvSpPr>
-            <a:spLocks noGrp="1"/>
-          </p:cNvSpPr>
-          <p:nvPr>
-            <p:ph type="dt" sz="half" idx="10"/>
-          </p:nvPr>
-        </p:nvSpPr>
-        <p:spPr>
-          <a:xfrm>
-            <a:off x="838200" y="6356350"/>
+          <p:cNvPr id="3" name="Footer Placeholder 2">
+            <a:extLst>
+              <a:ext uri="{FF2B5EF4-FFF2-40B4-BE49-F238E27FC236}">
+                <a16:creationId xmlns:a16="http://schemas.microsoft.com/office/drawing/2014/main" id="{45AB52D9-2BE1-41EE-B28C-4DEDAEFD750F}"/>
+              </a:ext>
+            </a:extLst>
+          </p:cNvPr>
+          <p:cNvSpPr>
+            <a:spLocks noGrp="1"/>
+          </p:cNvSpPr>
+          <p:nvPr>
+            <p:ph type="ftr" sz="quarter" idx="3"/>
+          </p:nvPr>
+        </p:nvSpPr>
+        <p:spPr>
+          <a:xfrm>
+            <a:off x="6473608" y="6356350"/>
             <a:ext cx="2743200" cy="365125"/>
           </a:xfrm>
         </p:spPr>
@@ -20721,72 +20814,6 @@
           <a:p>
             <a:r>
               <a:rPr lang="en-US" dirty="0"/>
-              <a:t>20XX</a:t>
-            </a:r>
-          </a:p>
-        </p:txBody>
-      </p:sp>
-      <p:sp>
-        <p:nvSpPr>
-          <p:cNvPr id="21" name="Text Placeholder 20">
-            <a:extLst>
-              <a:ext uri="{FF2B5EF4-FFF2-40B4-BE49-F238E27FC236}">
-                <a16:creationId xmlns:a16="http://schemas.microsoft.com/office/drawing/2014/main" id="{1ACAAE1E-C644-4F5F-B013-E7D2D2C82E71}"/>
-              </a:ext>
-            </a:extLst>
-          </p:cNvPr>
-          <p:cNvSpPr>
-            <a:spLocks noGrp="1"/>
-          </p:cNvSpPr>
-          <p:nvPr>
-            <p:ph type="body" sz="quarter" idx="16"/>
-          </p:nvPr>
-        </p:nvSpPr>
-        <p:spPr>
-          <a:xfrm>
-            <a:off x="5627913" y="0"/>
-            <a:ext cx="6564087" cy="3614737"/>
-          </a:xfrm>
-        </p:spPr>
-        <p:txBody>
-          <a:bodyPr/>
-          <a:lstStyle/>
-          <a:p>
-            <a:r>
-              <a:rPr lang="en-US" dirty="0"/>
-              <a:t>At Contoso, we believe in giving 110%. By using ethical farming methods, we help farming communities grow organically and foster a consumer first mindset. We thrive because of our market knowledge and a great team behind our product. As our CEO says, "Efficiencies will come from proactively transforming how we do business."</a:t>
-            </a:r>
-          </a:p>
-        </p:txBody>
-      </p:sp>
-      <p:sp>
-        <p:nvSpPr>
-          <p:cNvPr id="3" name="Footer Placeholder 2">
-            <a:extLst>
-              <a:ext uri="{FF2B5EF4-FFF2-40B4-BE49-F238E27FC236}">
-                <a16:creationId xmlns:a16="http://schemas.microsoft.com/office/drawing/2014/main" id="{CEAB7E33-6C5A-49D2-AA9F-51E7DEA11D3B}"/>
-              </a:ext>
-            </a:extLst>
-          </p:cNvPr>
-          <p:cNvSpPr>
-            <a:spLocks noGrp="1"/>
-          </p:cNvSpPr>
-          <p:nvPr>
-            <p:ph type="ftr" sz="quarter" idx="11"/>
-          </p:nvPr>
-        </p:nvSpPr>
-        <p:spPr>
-          <a:xfrm>
-            <a:off x="4038600" y="6356350"/>
-            <a:ext cx="4114800" cy="365125"/>
-          </a:xfrm>
-        </p:spPr>
-        <p:txBody>
-          <a:bodyPr/>
-          <a:lstStyle/>
-          <a:p>
-            <a:r>
-              <a:rPr lang="en-US" dirty="0"/>
               <a:t>Pitch deck</a:t>
             </a:r>
           </a:p>
@@ -20797,21 +20824,21 @@
           <p:cNvPr id="4" name="Slide Number Placeholder 3">
             <a:extLst>
               <a:ext uri="{FF2B5EF4-FFF2-40B4-BE49-F238E27FC236}">
-                <a16:creationId xmlns:a16="http://schemas.microsoft.com/office/drawing/2014/main" id="{F0D5A82B-E666-4FD6-A993-84ED558D3B3A}"/>
-              </a:ext>
-            </a:extLst>
-          </p:cNvPr>
-          <p:cNvSpPr>
-            <a:spLocks noGrp="1"/>
-          </p:cNvSpPr>
-          <p:nvPr>
-            <p:ph type="sldNum" sz="quarter" idx="12"/>
-          </p:nvPr>
-        </p:nvSpPr>
-        <p:spPr>
-          <a:xfrm>
-            <a:off x="8610600" y="6356350"/>
-            <a:ext cx="2743200" cy="365125"/>
+                <a16:creationId xmlns:a16="http://schemas.microsoft.com/office/drawing/2014/main" id="{D48E7CB9-A0ED-4EB9-BBDE-0C1004C498B9}"/>
+              </a:ext>
+            </a:extLst>
+          </p:cNvPr>
+          <p:cNvSpPr>
+            <a:spLocks noGrp="1"/>
+          </p:cNvSpPr>
+          <p:nvPr>
+            <p:ph type="sldNum" sz="quarter" idx="4"/>
+          </p:nvPr>
+        </p:nvSpPr>
+        <p:spPr>
+          <a:xfrm>
+            <a:off x="9791700" y="6356350"/>
+            <a:ext cx="1562100" cy="365125"/>
           </a:xfrm>
         </p:spPr>
         <p:txBody>
@@ -20822,266 +20849,6 @@
               <a:rPr lang="en-US" smtClean="0"/>
               <a:pPr/>
               <a:t>6</a:t>
-            </a:fld>
-            <a:endParaRPr lang="en-US" dirty="0"/>
-          </a:p>
-        </p:txBody>
-      </p:sp>
-    </p:spTree>
-    <p:extLst>
-      <p:ext uri="{BB962C8B-B14F-4D97-AF65-F5344CB8AC3E}">
-        <p14:creationId xmlns:p14="http://schemas.microsoft.com/office/powerpoint/2010/main" val="204619446"/>
-      </p:ext>
-    </p:extLst>
-  </p:cSld>
-  <p:clrMapOvr>
-    <a:masterClrMapping/>
-  </p:clrMapOvr>
-</p:sld>
-</file>
-
-<file path=ppt/slides/slide7.xml><?xml version="1.0" encoding="utf-8"?>
-<p:sld xmlns:a="http://schemas.openxmlformats.org/drawingml/2006/main" xmlns:r="http://schemas.openxmlformats.org/officeDocument/2006/relationships" xmlns:p="http://schemas.openxmlformats.org/presentationml/2006/main">
-  <p:cSld>
-    <p:spTree>
-      <p:nvGrpSpPr>
-        <p:cNvPr id="1" name=""/>
-        <p:cNvGrpSpPr/>
-        <p:nvPr/>
-      </p:nvGrpSpPr>
-      <p:grpSpPr>
-        <a:xfrm>
-          <a:off x="0" y="0"/>
-          <a:ext cx="0" cy="0"/>
-          <a:chOff x="0" y="0"/>
-          <a:chExt cx="0" cy="0"/>
-        </a:xfrm>
-      </p:grpSpPr>
-      <p:sp>
-        <p:nvSpPr>
-          <p:cNvPr id="24" name="Title 23">
-            <a:extLst>
-              <a:ext uri="{FF2B5EF4-FFF2-40B4-BE49-F238E27FC236}">
-                <a16:creationId xmlns:a16="http://schemas.microsoft.com/office/drawing/2014/main" id="{8B0A0B61-E44C-4C98-A84B-B96C81DA5816}"/>
-              </a:ext>
-            </a:extLst>
-          </p:cNvPr>
-          <p:cNvSpPr>
-            <a:spLocks noGrp="1"/>
-          </p:cNvSpPr>
-          <p:nvPr>
-            <p:ph type="title"/>
-          </p:nvPr>
-        </p:nvSpPr>
-        <p:spPr>
-          <a:xfrm>
-            <a:off x="1486566" y="3035081"/>
-            <a:ext cx="2341256" cy="640698"/>
-          </a:xfrm>
-        </p:spPr>
-        <p:txBody>
-          <a:bodyPr/>
-          <a:lstStyle/>
-          <a:p>
-            <a:r>
-              <a:rPr lang="en-US" noProof="0" dirty="0"/>
-              <a:t>Thank you</a:t>
-            </a:r>
-            <a:endParaRPr lang="en-US" dirty="0"/>
-          </a:p>
-        </p:txBody>
-      </p:sp>
-      <p:sp>
-        <p:nvSpPr>
-          <p:cNvPr id="9" name="Text Placeholder 8">
-            <a:extLst>
-              <a:ext uri="{FF2B5EF4-FFF2-40B4-BE49-F238E27FC236}">
-                <a16:creationId xmlns:a16="http://schemas.microsoft.com/office/drawing/2014/main" id="{0BF8A3EA-3C0A-457C-ACBD-FA9FBF4DCB9F}"/>
-              </a:ext>
-            </a:extLst>
-          </p:cNvPr>
-          <p:cNvSpPr>
-            <a:spLocks noGrp="1"/>
-          </p:cNvSpPr>
-          <p:nvPr>
-            <p:ph type="body" sz="quarter" idx="14"/>
-          </p:nvPr>
-        </p:nvSpPr>
-        <p:spPr>
-          <a:xfrm>
-            <a:off x="1704805" y="3959761"/>
-            <a:ext cx="2879477" cy="1790164"/>
-          </a:xfrm>
-        </p:spPr>
-        <p:txBody>
-          <a:bodyPr/>
-          <a:lstStyle/>
-          <a:p>
-            <a:r>
-              <a:rPr lang="pt-BR" dirty="0"/>
-              <a:t>Mirjam Nilsson​​</a:t>
-            </a:r>
-          </a:p>
-          <a:p>
-            <a:endParaRPr lang="pt-BR" dirty="0"/>
-          </a:p>
-          <a:p>
-            <a:r>
-              <a:rPr lang="pt-BR" dirty="0"/>
-              <a:t>206-555-0146​</a:t>
-            </a:r>
-          </a:p>
-          <a:p>
-            <a:endParaRPr lang="pt-BR" dirty="0"/>
-          </a:p>
-          <a:p>
-            <a:r>
-              <a:rPr lang="pt-BR" dirty="0"/>
-              <a:t>mirjam@contoso.com​</a:t>
-            </a:r>
-          </a:p>
-          <a:p>
-            <a:endParaRPr lang="pt-BR" dirty="0"/>
-          </a:p>
-          <a:p>
-            <a:r>
-              <a:rPr lang="pt-BR" dirty="0"/>
-              <a:t>www.contoso.com​</a:t>
-            </a:r>
-            <a:endParaRPr lang="en-US" dirty="0"/>
-          </a:p>
-        </p:txBody>
-      </p:sp>
-      <p:sp>
-        <p:nvSpPr>
-          <p:cNvPr id="2" name="Date Placeholder 1">
-            <a:extLst>
-              <a:ext uri="{FF2B5EF4-FFF2-40B4-BE49-F238E27FC236}">
-                <a16:creationId xmlns:a16="http://schemas.microsoft.com/office/drawing/2014/main" id="{2790CE37-04F9-4227-B00E-A878A9056DA7}"/>
-              </a:ext>
-            </a:extLst>
-          </p:cNvPr>
-          <p:cNvSpPr>
-            <a:spLocks noGrp="1"/>
-          </p:cNvSpPr>
-          <p:nvPr>
-            <p:ph type="dt" sz="half" idx="10"/>
-          </p:nvPr>
-        </p:nvSpPr>
-        <p:spPr>
-          <a:xfrm>
-            <a:off x="838200" y="6356350"/>
-            <a:ext cx="2743200" cy="365125"/>
-          </a:xfrm>
-        </p:spPr>
-        <p:txBody>
-          <a:bodyPr/>
-          <a:lstStyle/>
-          <a:p>
-            <a:r>
-              <a:rPr lang="en-US" dirty="0"/>
-              <a:t>20XX</a:t>
-            </a:r>
-          </a:p>
-        </p:txBody>
-      </p:sp>
-      <p:pic>
-        <p:nvPicPr>
-          <p:cNvPr id="18" name="Picture Placeholder 15" descr="A picture of a field of grass sprouting">
-            <a:extLst>
-              <a:ext uri="{FF2B5EF4-FFF2-40B4-BE49-F238E27FC236}">
-                <a16:creationId xmlns:a16="http://schemas.microsoft.com/office/drawing/2014/main" id="{594B2289-B469-43CF-B394-071C6B0A4DD5}"/>
-              </a:ext>
-            </a:extLst>
-          </p:cNvPr>
-          <p:cNvPicPr>
-            <a:picLocks noGrp="1" noChangeAspect="1"/>
-          </p:cNvPicPr>
-          <p:nvPr>
-            <p:ph type="pic" sz="quarter" idx="15"/>
-          </p:nvPr>
-        </p:nvPicPr>
-        <p:blipFill rotWithShape="1">
-          <a:blip r:embed="rId2" cstate="screen">
-            <a:extLst>
-              <a:ext uri="{28A0092B-C50C-407E-A947-70E740481C1C}">
-                <a14:useLocalDpi xmlns:a14="http://schemas.microsoft.com/office/drawing/2010/main" val="0"/>
-              </a:ext>
-            </a:extLst>
-          </a:blip>
-          <a:srcRect/>
-          <a:stretch/>
-        </p:blipFill>
-        <p:spPr>
-          <a:xfrm>
-            <a:off x="5511344" y="0"/>
-            <a:ext cx="6680656" cy="6858000"/>
-          </a:xfrm>
-        </p:spPr>
-      </p:pic>
-      <p:sp>
-        <p:nvSpPr>
-          <p:cNvPr id="3" name="Footer Placeholder 2">
-            <a:extLst>
-              <a:ext uri="{FF2B5EF4-FFF2-40B4-BE49-F238E27FC236}">
-                <a16:creationId xmlns:a16="http://schemas.microsoft.com/office/drawing/2014/main" id="{45AB52D9-2BE1-41EE-B28C-4DEDAEFD750F}"/>
-              </a:ext>
-            </a:extLst>
-          </p:cNvPr>
-          <p:cNvSpPr>
-            <a:spLocks noGrp="1"/>
-          </p:cNvSpPr>
-          <p:nvPr>
-            <p:ph type="ftr" sz="quarter" idx="3"/>
-          </p:nvPr>
-        </p:nvSpPr>
-        <p:spPr>
-          <a:xfrm>
-            <a:off x="6473608" y="6356350"/>
-            <a:ext cx="2743200" cy="365125"/>
-          </a:xfrm>
-        </p:spPr>
-        <p:txBody>
-          <a:bodyPr/>
-          <a:lstStyle/>
-          <a:p>
-            <a:r>
-              <a:rPr lang="en-US" dirty="0"/>
-              <a:t>Pitch deck</a:t>
-            </a:r>
-          </a:p>
-        </p:txBody>
-      </p:sp>
-      <p:sp>
-        <p:nvSpPr>
-          <p:cNvPr id="4" name="Slide Number Placeholder 3">
-            <a:extLst>
-              <a:ext uri="{FF2B5EF4-FFF2-40B4-BE49-F238E27FC236}">
-                <a16:creationId xmlns:a16="http://schemas.microsoft.com/office/drawing/2014/main" id="{D48E7CB9-A0ED-4EB9-BBDE-0C1004C498B9}"/>
-              </a:ext>
-            </a:extLst>
-          </p:cNvPr>
-          <p:cNvSpPr>
-            <a:spLocks noGrp="1"/>
-          </p:cNvSpPr>
-          <p:nvPr>
-            <p:ph type="sldNum" sz="quarter" idx="4"/>
-          </p:nvPr>
-        </p:nvSpPr>
-        <p:spPr>
-          <a:xfrm>
-            <a:off x="9791700" y="6356350"/>
-            <a:ext cx="1562100" cy="365125"/>
-          </a:xfrm>
-        </p:spPr>
-        <p:txBody>
-          <a:bodyPr/>
-          <a:lstStyle/>
-          <a:p>
-            <a:fld id="{EA87306C-81BA-4795-A5CA-9392456A8C1E}" type="slidenum">
-              <a:rPr lang="en-US" smtClean="0"/>
-              <a:pPr/>
-              <a:t>7</a:t>
             </a:fld>
             <a:endParaRPr lang="en-US" dirty="0"/>
           </a:p>
@@ -21892,12 +21659,22 @@
 </file>
 
 <file path=customXml/item1.xml><?xml version="1.0" encoding="utf-8"?>
-<?mso-contentType ?>
-<FormTemplates xmlns="http://schemas.microsoft.com/sharepoint/v3/contenttype/forms">
-  <Display>DocumentLibraryForm</Display>
-  <Edit>DocumentLibraryForm</Edit>
-  <New>DocumentLibraryForm</New>
-</FormTemplates>
+<p:properties xmlns:p="http://schemas.microsoft.com/office/2006/metadata/properties" xmlns:xsi="http://www.w3.org/2001/XMLSchema-instance" xmlns:pc="http://schemas.microsoft.com/office/infopath/2007/PartnerControls">
+  <documentManagement>
+    <_ip_UnifiedCompliancePolicyUIAction xmlns="http://schemas.microsoft.com/sharepoint/v3" xsi:nil="true"/>
+    <Image xmlns="71af3243-3dd4-4a8d-8c0d-dd76da1f02a5">
+      <Url xsi:nil="true"/>
+      <Description xsi:nil="true"/>
+    </Image>
+    <Status xmlns="71af3243-3dd4-4a8d-8c0d-dd76da1f02a5">Not started</Status>
+    <_ip_UnifiedCompliancePolicyProperties xmlns="http://schemas.microsoft.com/sharepoint/v3" xsi:nil="true"/>
+    <ImageTagsTaxHTField xmlns="71af3243-3dd4-4a8d-8c0d-dd76da1f02a5">
+      <Terms xmlns="http://schemas.microsoft.com/office/infopath/2007/PartnerControls"/>
+    </ImageTagsTaxHTField>
+    <TaxCatchAll xmlns="230e9df3-be65-4c73-a93b-d1236ebd677e"/>
+    <MediaServiceKeyPoints xmlns="71af3243-3dd4-4a8d-8c0d-dd76da1f02a5" xsi:nil="true"/>
+  </documentManagement>
+</p:properties>
 </file>
 
 <file path=customXml/item2.xml><?xml version="1.0" encoding="utf-8"?>
@@ -22177,28 +21954,22 @@
 </file>
 
 <file path=customXml/item3.xml><?xml version="1.0" encoding="utf-8"?>
-<p:properties xmlns:p="http://schemas.microsoft.com/office/2006/metadata/properties" xmlns:xsi="http://www.w3.org/2001/XMLSchema-instance" xmlns:pc="http://schemas.microsoft.com/office/infopath/2007/PartnerControls">
-  <documentManagement>
-    <_ip_UnifiedCompliancePolicyUIAction xmlns="http://schemas.microsoft.com/sharepoint/v3" xsi:nil="true"/>
-    <Image xmlns="71af3243-3dd4-4a8d-8c0d-dd76da1f02a5">
-      <Url xsi:nil="true"/>
-      <Description xsi:nil="true"/>
-    </Image>
-    <Status xmlns="71af3243-3dd4-4a8d-8c0d-dd76da1f02a5">Not started</Status>
-    <_ip_UnifiedCompliancePolicyProperties xmlns="http://schemas.microsoft.com/sharepoint/v3" xsi:nil="true"/>
-    <ImageTagsTaxHTField xmlns="71af3243-3dd4-4a8d-8c0d-dd76da1f02a5">
-      <Terms xmlns="http://schemas.microsoft.com/office/infopath/2007/PartnerControls"/>
-    </ImageTagsTaxHTField>
-    <TaxCatchAll xmlns="230e9df3-be65-4c73-a93b-d1236ebd677e"/>
-    <MediaServiceKeyPoints xmlns="71af3243-3dd4-4a8d-8c0d-dd76da1f02a5" xsi:nil="true"/>
-  </documentManagement>
-</p:properties>
+<?mso-contentType ?>
+<FormTemplates xmlns="http://schemas.microsoft.com/sharepoint/v3/contenttype/forms">
+  <Display>DocumentLibraryForm</Display>
+  <Edit>DocumentLibraryForm</Edit>
+  <New>DocumentLibraryForm</New>
+</FormTemplates>
 </file>
 
 <file path=customXml/itemProps1.xml><?xml version="1.0" encoding="utf-8"?>
-<ds:datastoreItem xmlns:ds="http://schemas.openxmlformats.org/officeDocument/2006/customXml" ds:itemID="{5F1B15C2-B622-4464-872A-FFB13E3A35CE}">
+<ds:datastoreItem xmlns:ds="http://schemas.openxmlformats.org/officeDocument/2006/customXml" ds:itemID="{0E439292-23DE-4FBC-B000-AFED89AC64F3}">
   <ds:schemaRefs>
-    <ds:schemaRef ds:uri="http://schemas.microsoft.com/sharepoint/v3/contenttype/forms"/>
+    <ds:schemaRef ds:uri="230e9df3-be65-4c73-a93b-d1236ebd677e"/>
+    <ds:schemaRef ds:uri="71af3243-3dd4-4a8d-8c0d-dd76da1f02a5"/>
+    <ds:schemaRef ds:uri="http://schemas.microsoft.com/office/2006/metadata/properties"/>
+    <ds:schemaRef ds:uri="http://schemas.microsoft.com/office/infopath/2007/PartnerControls"/>
+    <ds:schemaRef ds:uri="http://schemas.microsoft.com/sharepoint/v3"/>
   </ds:schemaRefs>
 </ds:datastoreItem>
 </file>
@@ -22225,13 +21996,9 @@
 </file>
 
 <file path=customXml/itemProps3.xml><?xml version="1.0" encoding="utf-8"?>
-<ds:datastoreItem xmlns:ds="http://schemas.openxmlformats.org/officeDocument/2006/customXml" ds:itemID="{0E439292-23DE-4FBC-B000-AFED89AC64F3}">
+<ds:datastoreItem xmlns:ds="http://schemas.openxmlformats.org/officeDocument/2006/customXml" ds:itemID="{5F1B15C2-B622-4464-872A-FFB13E3A35CE}">
   <ds:schemaRefs>
-    <ds:schemaRef ds:uri="230e9df3-be65-4c73-a93b-d1236ebd677e"/>
-    <ds:schemaRef ds:uri="71af3243-3dd4-4a8d-8c0d-dd76da1f02a5"/>
-    <ds:schemaRef ds:uri="http://schemas.microsoft.com/office/2006/metadata/properties"/>
-    <ds:schemaRef ds:uri="http://schemas.microsoft.com/office/infopath/2007/PartnerControls"/>
-    <ds:schemaRef ds:uri="http://schemas.microsoft.com/sharepoint/v3"/>
+    <ds:schemaRef ds:uri="http://schemas.microsoft.com/sharepoint/v3/contenttype/forms"/>
   </ds:schemaRefs>
 </ds:datastoreItem>
 </file>
